--- a/DG_06 Scope.pptx
+++ b/DG_06 Scope.pptx
@@ -120,7 +120,7 @@
   </p:defaultTextStyle>
   <p:extLst>
     <p:ext uri="{EFAFB233-063F-42B5-8137-9DF3F51BA10A}">
-      <p15:sldGuideLst xmlns:p15="http://schemas.microsoft.com/office/powerpoint/2012/main" xmlns="">
+      <p15:sldGuideLst xmlns="" xmlns:p15="http://schemas.microsoft.com/office/powerpoint/2012/main">
         <p15:guide id="1" orient="horz" pos="2160">
           <p15:clr>
             <a:srgbClr val="A4A3A4"/>
@@ -219,7 +219,7 @@
           <a:p>
             <a:fld id="{78C00125-7AA2-BF47-9592-BD0EA1380ED7}" type="datetimeFigureOut">
               <a:rPr lang="en-US" smtClean="0"/>
-              <a:t>5/24/2022</a:t>
+              <a:t>5/25/2022</a:t>
             </a:fld>
             <a:endParaRPr lang="en-US"/>
           </a:p>
@@ -3224,7 +3224,7 @@
             <a:fld id="{28E80666-FB37-4B36-9149-507F3B0178E3}" type="datetimeFigureOut">
               <a:rPr lang="en-US" smtClean="0"/>
               <a:pPr/>
-              <a:t>5/24/2022</a:t>
+              <a:t>5/25/2022</a:t>
             </a:fld>
             <a:endParaRPr lang="en-US"/>
           </a:p>
@@ -3406,7 +3406,7 @@
           <a:p>
             <a:fld id="{05DB9FB3-5BB2-724E-A037-6C88DDC21847}" type="datetimeFigureOut">
               <a:rPr lang="en-US" smtClean="0"/>
-              <a:t>5/24/2022</a:t>
+              <a:t>5/25/2022</a:t>
             </a:fld>
             <a:endParaRPr lang="en-US"/>
           </a:p>
@@ -3557,7 +3557,7 @@
           <a:p>
             <a:fld id="{05DB9FB3-5BB2-724E-A037-6C88DDC21847}" type="datetimeFigureOut">
               <a:rPr lang="en-US" smtClean="0"/>
-              <a:t>5/24/2022</a:t>
+              <a:t>5/25/2022</a:t>
             </a:fld>
             <a:endParaRPr lang="en-US"/>
           </a:p>
@@ -5383,7 +5383,7 @@
           <a:p>
             <a:fld id="{05DB9FB3-5BB2-724E-A037-6C88DDC21847}" type="datetimeFigureOut">
               <a:rPr lang="en-US" smtClean="0"/>
-              <a:t>5/24/2022</a:t>
+              <a:t>5/25/2022</a:t>
             </a:fld>
             <a:endParaRPr lang="en-US"/>
           </a:p>
@@ -7254,7 +7254,7 @@
             <a:fld id="{28E80666-FB37-4B36-9149-507F3B0178E3}" type="datetimeFigureOut">
               <a:rPr lang="en-US" smtClean="0"/>
               <a:pPr/>
-              <a:t>5/24/2022</a:t>
+              <a:t>5/25/2022</a:t>
             </a:fld>
             <a:endParaRPr lang="en-US"/>
           </a:p>
@@ -7368,7 +7368,7 @@
           <a:p>
             <a:fld id="{05DB9FB3-5BB2-724E-A037-6C88DDC21847}" type="datetimeFigureOut">
               <a:rPr lang="en-US" smtClean="0"/>
-              <a:t>5/24/2022</a:t>
+              <a:t>5/25/2022</a:t>
             </a:fld>
             <a:endParaRPr lang="en-US"/>
           </a:p>
@@ -7909,7 +7909,7 @@
           <a:p>
             <a:fld id="{05DB9FB3-5BB2-724E-A037-6C88DDC21847}" type="datetimeFigureOut">
               <a:rPr lang="en-US" smtClean="0"/>
-              <a:t>5/24/2022</a:t>
+              <a:t>5/25/2022</a:t>
             </a:fld>
             <a:endParaRPr lang="en-US"/>
           </a:p>
@@ -8022,7 +8022,7 @@
           <a:p>
             <a:fld id="{05DB9FB3-5BB2-724E-A037-6C88DDC21847}" type="datetimeFigureOut">
               <a:rPr lang="en-US" smtClean="0"/>
-              <a:t>5/24/2022</a:t>
+              <a:t>5/25/2022</a:t>
             </a:fld>
             <a:endParaRPr lang="en-US"/>
           </a:p>
@@ -9733,7 +9733,7 @@
           <a:p>
             <a:fld id="{05DB9FB3-5BB2-724E-A037-6C88DDC21847}" type="datetimeFigureOut">
               <a:rPr lang="en-US" smtClean="0"/>
-              <a:t>5/24/2022</a:t>
+              <a:t>5/25/2022</a:t>
             </a:fld>
             <a:endParaRPr lang="en-US"/>
           </a:p>
@@ -9884,7 +9884,7 @@
           <a:p>
             <a:fld id="{05DB9FB3-5BB2-724E-A037-6C88DDC21847}" type="datetimeFigureOut">
               <a:rPr lang="en-US" smtClean="0"/>
-              <a:t>5/24/2022</a:t>
+              <a:t>5/25/2022</a:t>
             </a:fld>
             <a:endParaRPr lang="en-US"/>
           </a:p>
@@ -13499,7 +13499,7 @@
           <a:p>
             <a:fld id="{05DB9FB3-5BB2-724E-A037-6C88DDC21847}" type="datetimeFigureOut">
               <a:rPr lang="en-US" smtClean="0"/>
-              <a:t>5/24/2022</a:t>
+              <a:t>5/25/2022</a:t>
             </a:fld>
             <a:endParaRPr lang="en-US"/>
           </a:p>
@@ -15358,7 +15358,7 @@
           <a:p>
             <a:fld id="{05DB9FB3-5BB2-724E-A037-6C88DDC21847}" type="datetimeFigureOut">
               <a:rPr lang="en-US" smtClean="0"/>
-              <a:t>5/24/2022</a:t>
+              <a:t>5/25/2022</a:t>
             </a:fld>
             <a:endParaRPr lang="en-US"/>
           </a:p>
@@ -16489,13 +16489,7 @@
               <a:rPr lang="en-US" sz="2800">
                 <a:latin typeface="Lucida Sans" panose="020B0602030504020204" pitchFamily="34" charset="0"/>
               </a:rPr>
-              <a:t>uses __init__.</a:t>
-            </a:r>
-            <a:r>
-              <a:rPr lang="en-US" sz="2800">
-                <a:latin typeface="Lucida Sans" panose="020B0602030504020204" pitchFamily="34" charset="0"/>
-              </a:rPr>
-              <a:t>py</a:t>
+              <a:t>uses __init__.py</a:t>
             </a:r>
             <a:r>
               <a:rPr lang="en-US" sz="2800" smtClean="0">
@@ -16585,13 +16579,7 @@
               <a:rPr lang="en-US">
                 <a:latin typeface="Lucida Sans" panose="020B0602030504020204" pitchFamily="34" charset="0"/>
               </a:rPr>
-              <a:t>visibility </a:t>
-            </a:r>
-            <a:r>
-              <a:rPr lang="en-US">
-                <a:latin typeface="Lucida Sans" panose="020B0602030504020204" pitchFamily="34" charset="0"/>
-              </a:rPr>
-              <a:t>of </a:t>
+              <a:t>visibility of </a:t>
             </a:r>
             <a:r>
               <a:rPr lang="en-US" smtClean="0">
@@ -16612,7 +16600,7 @@
         <p:spPr>
           <a:xfrm>
             <a:off x="407436" y="2312626"/>
-            <a:ext cx="8298025" cy="3231654"/>
+            <a:ext cx="8298025" cy="4031873"/>
           </a:xfrm>
           <a:prstGeom prst="rect">
             <a:avLst/>
@@ -16716,11 +16704,32 @@
               <a:rPr lang="en-US" sz="2400" smtClean="0">
                 <a:latin typeface="Lucida Sans" panose="020B0602030504020204" pitchFamily="34" charset="0"/>
               </a:rPr>
-              <a:t>If same name as a global, it hides the global</a:t>
-            </a:r>
-            <a:endParaRPr lang="en-US" sz="2400" smtClean="0">
+              <a:t>If same name as a global, it hides the </a:t>
+            </a:r>
+            <a:r>
+              <a:rPr lang="en-US" sz="2400" smtClean="0">
+                <a:latin typeface="Lucida Sans" panose="020B0602030504020204" pitchFamily="34" charset="0"/>
+              </a:rPr>
+              <a:t>global</a:t>
+            </a:r>
+          </a:p>
+          <a:p>
+            <a:pPr lvl="1"/>
+            <a:endParaRPr lang="en-US" sz="2400">
               <a:latin typeface="Lucida Sans" panose="020B0602030504020204" pitchFamily="34" charset="0"/>
             </a:endParaRPr>
+          </a:p>
+          <a:p>
+            <a:pPr marL="457200" indent="-457200">
+              <a:buFont typeface="Arial" panose="020B0604020202020204" pitchFamily="34" charset="0"/>
+              <a:buChar char="•"/>
+            </a:pPr>
+            <a:r>
+              <a:rPr lang="en-US" sz="2800">
+                <a:latin typeface="Lucida Sans" panose="020B0602030504020204" pitchFamily="34" charset="0"/>
+              </a:rPr>
+              <a:t>Class Scope</a:t>
+            </a:r>
           </a:p>
         </p:txBody>
       </p:sp>
@@ -16859,9 +16868,6 @@
               </a:rPr>
               <a:t>	def myFn():</a:t>
             </a:r>
-            <a:endParaRPr lang="en-US" sz="2800" smtClean="0">
-              <a:latin typeface="Lucida Sans" panose="020B0602030504020204" pitchFamily="34" charset="0"/>
-            </a:endParaRPr>
           </a:p>
           <a:p>
             <a:pPr lvl="2"/>
@@ -17689,7 +17695,13 @@
               <a:rPr lang="en-US" sz="2800" smtClean="0">
                 <a:latin typeface="Lucida Sans" panose="020B0602030504020204" pitchFamily="34" charset="0"/>
               </a:rPr>
-              <a:t>Is the "root", not a "Package"</a:t>
+              <a:t>is </a:t>
+            </a:r>
+            <a:r>
+              <a:rPr lang="en-US" sz="2800" smtClean="0">
+                <a:latin typeface="Lucida Sans" panose="020B0602030504020204" pitchFamily="34" charset="0"/>
+              </a:rPr>
+              <a:t>the "root", not a "Package"</a:t>
             </a:r>
           </a:p>
           <a:p>
@@ -17701,11 +17713,20 @@
               <a:rPr lang="en-US" sz="2800" smtClean="0">
                 <a:latin typeface="Lucida Sans" panose="020B0602030504020204" pitchFamily="34" charset="0"/>
               </a:rPr>
-              <a:t>All sibling modules are in scope </a:t>
-            </a:r>
-            <a:endParaRPr lang="en-US" sz="2800" smtClean="0">
-              <a:latin typeface="Lucida Sans" panose="020B0602030504020204" pitchFamily="34" charset="0"/>
-            </a:endParaRPr>
+              <a:t>All </a:t>
+            </a:r>
+            <a:r>
+              <a:rPr lang="en-US" sz="2800" smtClean="0">
+                <a:latin typeface="Lucida Sans" panose="020B0602030504020204" pitchFamily="34" charset="0"/>
+              </a:rPr>
+              <a:t>modules at root are </a:t>
+            </a:r>
+            <a:r>
+              <a:rPr lang="en-US" sz="2800" smtClean="0">
+                <a:latin typeface="Lucida Sans" panose="020B0602030504020204" pitchFamily="34" charset="0"/>
+              </a:rPr>
+              <a:t>in scope </a:t>
+            </a:r>
           </a:p>
         </p:txBody>
       </p:sp>
@@ -17894,7 +17915,7 @@
         <p:spPr>
           <a:xfrm>
             <a:off x="251586" y="2452585"/>
-            <a:ext cx="8637831" cy="4401205"/>
+            <a:ext cx="8637831" cy="3970318"/>
           </a:xfrm>
           <a:prstGeom prst="rect">
             <a:avLst/>
@@ -17936,10 +17957,109 @@
               <a:t>from </a:t>
             </a:r>
             <a:r>
+              <a:rPr lang="en-US" sz="2800" smtClean="0">
+                <a:latin typeface="Lucida Sans" panose="020B0602030504020204" pitchFamily="34" charset="0"/>
+              </a:rPr>
+              <a:t>any_</a:t>
+            </a:r>
+            <a:r>
+              <a:rPr lang="en-US" sz="2800" b="1" smtClean="0">
+                <a:solidFill>
+                  <a:srgbClr val="FF0000"/>
+                </a:solidFill>
+                <a:latin typeface="Lucida Sans" panose="020B0602030504020204" pitchFamily="34" charset="0"/>
+              </a:rPr>
+              <a:t>root</a:t>
+            </a:r>
+            <a:r>
+              <a:rPr lang="en-US" sz="2800" smtClean="0">
+                <a:latin typeface="Lucida Sans" panose="020B0602030504020204" pitchFamily="34" charset="0"/>
+              </a:rPr>
+              <a:t>_module </a:t>
+            </a:r>
+            <a:r>
               <a:rPr lang="en-US" sz="2800">
                 <a:latin typeface="Lucida Sans" panose="020B0602030504020204" pitchFamily="34" charset="0"/>
               </a:rPr>
-              <a:t>other_</a:t>
+              <a:t>import </a:t>
+            </a:r>
+            <a:r>
+              <a:rPr lang="en-US" sz="2800" b="1">
+                <a:solidFill>
+                  <a:srgbClr val="FF0000"/>
+                </a:solidFill>
+                <a:latin typeface="Lucida Sans" panose="020B0602030504020204" pitchFamily="34" charset="0"/>
+              </a:rPr>
+              <a:t>*</a:t>
+            </a:r>
+            <a:endParaRPr lang="en-US" sz="2400" b="1">
+              <a:solidFill>
+                <a:srgbClr val="FF0000"/>
+              </a:solidFill>
+              <a:latin typeface="Lucida Sans" panose="020B0602030504020204" pitchFamily="34" charset="0"/>
+            </a:endParaRPr>
+          </a:p>
+          <a:p>
+            <a:r>
+              <a:rPr lang="en-US" sz="2800" smtClean="0">
+                <a:latin typeface="Lucida Sans" panose="020B0602030504020204" pitchFamily="34" charset="0"/>
+              </a:rPr>
+              <a:t>from lower_package</a:t>
+            </a:r>
+            <a:r>
+              <a:rPr lang="en-US" sz="2800" b="1" smtClean="0">
+                <a:solidFill>
+                  <a:srgbClr val="FF0000"/>
+                </a:solidFill>
+                <a:latin typeface="Lucida Sans" panose="020B0602030504020204" pitchFamily="34" charset="0"/>
+              </a:rPr>
+              <a:t>.</a:t>
+            </a:r>
+            <a:r>
+              <a:rPr lang="en-US" sz="2800" smtClean="0">
+                <a:latin typeface="Lucida Sans" panose="020B0602030504020204" pitchFamily="34" charset="0"/>
+              </a:rPr>
+              <a:t>some_module import *</a:t>
+            </a:r>
+          </a:p>
+          <a:p>
+            <a:endParaRPr lang="en-US" sz="2800" smtClean="0">
+              <a:latin typeface="Lucida Sans" panose="020B0602030504020204" pitchFamily="34" charset="0"/>
+            </a:endParaRPr>
+          </a:p>
+          <a:p>
+            <a:pPr marL="457200" indent="-457200">
+              <a:buFont typeface="Arial" panose="020B0604020202020204" pitchFamily="34" charset="0"/>
+              <a:buChar char="•"/>
+            </a:pPr>
+            <a:r>
+              <a:rPr lang="en-US" sz="2800">
+                <a:latin typeface="Lucida Sans" panose="020B0602030504020204" pitchFamily="34" charset="0"/>
+              </a:rPr>
+              <a:t>In a package </a:t>
+            </a:r>
+            <a:r>
+              <a:rPr lang="en-US" sz="2800" b="1">
+                <a:solidFill>
+                  <a:srgbClr val="FF0000"/>
+                </a:solidFill>
+                <a:latin typeface="Lucida Sans" panose="020B0602030504020204" pitchFamily="34" charset="0"/>
+              </a:rPr>
+              <a:t>below root</a:t>
+            </a:r>
+            <a:r>
+              <a:rPr lang="en-US" sz="2800" smtClean="0">
+                <a:latin typeface="Lucida Sans" panose="020B0602030504020204" pitchFamily="34" charset="0"/>
+              </a:rPr>
+              <a:t>:</a:t>
+            </a:r>
+          </a:p>
+          <a:p>
+            <a:r>
+              <a:rPr lang="en-US" sz="2800">
+                <a:latin typeface="Lucida Sans" panose="020B0602030504020204" pitchFamily="34" charset="0"/>
+              </a:rPr>
+              <a:t>from any_</a:t>
             </a:r>
             <a:r>
               <a:rPr lang="en-US" sz="2800" b="1">
@@ -17977,61 +18097,6 @@
               <a:rPr lang="en-US" sz="2800" smtClean="0">
                 <a:latin typeface="Lucida Sans" panose="020B0602030504020204" pitchFamily="34" charset="0"/>
               </a:rPr>
-              <a:t>from lower_package</a:t>
-            </a:r>
-            <a:r>
-              <a:rPr lang="en-US" sz="2800" b="1" smtClean="0">
-                <a:solidFill>
-                  <a:srgbClr val="FF0000"/>
-                </a:solidFill>
-                <a:latin typeface="Lucida Sans" panose="020B0602030504020204" pitchFamily="34" charset="0"/>
-              </a:rPr>
-              <a:t>.</a:t>
-            </a:r>
-            <a:r>
-              <a:rPr lang="en-US" sz="2800" smtClean="0">
-                <a:latin typeface="Lucida Sans" panose="020B0602030504020204" pitchFamily="34" charset="0"/>
-              </a:rPr>
-              <a:t>some_module import *</a:t>
-            </a:r>
-          </a:p>
-          <a:p>
-            <a:endParaRPr lang="en-US" sz="2800" smtClean="0">
-              <a:latin typeface="Lucida Sans" panose="020B0602030504020204" pitchFamily="34" charset="0"/>
-            </a:endParaRPr>
-          </a:p>
-          <a:p>
-            <a:pPr marL="457200" indent="-457200">
-              <a:buFont typeface="Arial" panose="020B0604020202020204" pitchFamily="34" charset="0"/>
-              <a:buChar char="•"/>
-            </a:pPr>
-            <a:r>
-              <a:rPr lang="en-US" sz="2800">
-                <a:latin typeface="Lucida Sans" panose="020B0602030504020204" pitchFamily="34" charset="0"/>
-              </a:rPr>
-              <a:t>In a package </a:t>
-            </a:r>
-            <a:r>
-              <a:rPr lang="en-US" sz="2800" b="1">
-                <a:solidFill>
-                  <a:srgbClr val="FF0000"/>
-                </a:solidFill>
-                <a:latin typeface="Lucida Sans" panose="020B0602030504020204" pitchFamily="34" charset="0"/>
-              </a:rPr>
-              <a:t>below root</a:t>
-            </a:r>
-            <a:r>
-              <a:rPr lang="en-US" sz="2800">
-                <a:latin typeface="Lucida Sans" panose="020B0602030504020204" pitchFamily="34" charset="0"/>
-              </a:rPr>
-              <a:t>:</a:t>
-            </a:r>
-          </a:p>
-          <a:p>
-            <a:r>
-              <a:rPr lang="en-US" sz="2800" smtClean="0">
-                <a:latin typeface="Lucida Sans" panose="020B0602030504020204" pitchFamily="34" charset="0"/>
-              </a:rPr>
               <a:t>from </a:t>
             </a:r>
             <a:r>
@@ -18047,13 +18112,7 @@
               <a:rPr lang="en-US" sz="2800">
                 <a:latin typeface="Lucida Sans" panose="020B0602030504020204" pitchFamily="34" charset="0"/>
               </a:rPr>
-              <a:t>sibling_module </a:t>
-            </a:r>
-            <a:r>
-              <a:rPr lang="en-US" sz="2800">
-                <a:latin typeface="Lucida Sans" panose="020B0602030504020204" pitchFamily="34" charset="0"/>
-              </a:rPr>
-              <a:t>import </a:t>
+              <a:t>sibling_module import </a:t>
             </a:r>
             <a:r>
               <a:rPr lang="en-US" sz="2800" smtClean="0">
@@ -18162,21 +18221,17 @@
                 </a:solidFill>
                 <a:latin typeface="Lucida Sans" panose="020B0602030504020204" pitchFamily="34" charset="0"/>
               </a:rPr>
-              <a:t># Worse!</a:t>
-            </a:r>
-            <a:endParaRPr lang="en-US" sz="2800" b="1">
-              <a:solidFill>
-                <a:srgbClr val="FF0000"/>
-              </a:solidFill>
-              <a:latin typeface="Lucida Sans" panose="020B0602030504020204" pitchFamily="34" charset="0"/>
-            </a:endParaRPr>
-          </a:p>
-          <a:p>
-            <a:endParaRPr lang="en-US" sz="2800">
-              <a:latin typeface="Lucida Sans" panose="020B0602030504020204" pitchFamily="34" charset="0"/>
-            </a:endParaRPr>
-          </a:p>
-          <a:p>
+              <a:t># Worse</a:t>
+            </a:r>
+            <a:r>
+              <a:rPr lang="en-US" sz="2800" b="1" smtClean="0">
+                <a:solidFill>
+                  <a:srgbClr val="FF0000"/>
+                </a:solidFill>
+                <a:latin typeface="Lucida Sans" panose="020B0602030504020204" pitchFamily="34" charset="0"/>
+              </a:rPr>
+              <a:t>!</a:t>
+            </a:r>
             <a:endParaRPr lang="en-US" sz="2800" smtClean="0">
               <a:latin typeface="Lucida Sans" panose="020B0602030504020204" pitchFamily="34" charset="0"/>
             </a:endParaRPr>

--- a/DG_06 Scope.pptx
+++ b/DG_06 Scope.pptx
@@ -5,7 +5,7 @@
     <p:sldMasterId id="2147483739" r:id="rId1"/>
   </p:sldMasterIdLst>
   <p:notesMasterIdLst>
-    <p:notesMasterId r:id="rId14"/>
+    <p:notesMasterId r:id="rId17"/>
   </p:notesMasterIdLst>
   <p:sldIdLst>
     <p:sldId id="643" r:id="rId2"/>
@@ -20,6 +20,9 @@
     <p:sldId id="652" r:id="rId11"/>
     <p:sldId id="655" r:id="rId12"/>
     <p:sldId id="651" r:id="rId13"/>
+    <p:sldId id="658" r:id="rId14"/>
+    <p:sldId id="659" r:id="rId15"/>
+    <p:sldId id="660" r:id="rId16"/>
   </p:sldIdLst>
   <p:sldSz cx="9144000" cy="6858000" type="screen4x3"/>
   <p:notesSz cx="6858000" cy="9144000"/>
@@ -120,7 +123,7 @@
   </p:defaultTextStyle>
   <p:extLst>
     <p:ext uri="{EFAFB233-063F-42B5-8137-9DF3F51BA10A}">
-      <p15:sldGuideLst xmlns="" xmlns:p15="http://schemas.microsoft.com/office/powerpoint/2012/main">
+      <p15:sldGuideLst xmlns:p15="http://schemas.microsoft.com/office/powerpoint/2012/main">
         <p15:guide id="1" orient="horz" pos="2160">
           <p15:clr>
             <a:srgbClr val="A4A3A4"/>
@@ -219,7 +222,7 @@
           <a:p>
             <a:fld id="{78C00125-7AA2-BF47-9592-BD0EA1380ED7}" type="datetimeFigureOut">
               <a:rPr lang="en-US" smtClean="0"/>
-              <a:t>5/25/2022</a:t>
+              <a:t>5/26/2022</a:t>
             </a:fld>
             <a:endParaRPr lang="en-US"/>
           </a:p>
@@ -739,6 +742,258 @@
 </p:notes>
 </file>
 
+<file path=ppt/notesSlides/notesSlide12.xml><?xml version="1.0" encoding="utf-8"?>
+<p:notes xmlns:a="http://schemas.openxmlformats.org/drawingml/2006/main" xmlns:r="http://schemas.openxmlformats.org/officeDocument/2006/relationships" xmlns:p="http://schemas.openxmlformats.org/presentationml/2006/main">
+  <p:cSld>
+    <p:spTree>
+      <p:nvGrpSpPr>
+        <p:cNvPr id="1" name=""/>
+        <p:cNvGrpSpPr/>
+        <p:nvPr/>
+      </p:nvGrpSpPr>
+      <p:grpSpPr>
+        <a:xfrm>
+          <a:off x="0" y="0"/>
+          <a:ext cx="0" cy="0"/>
+          <a:chOff x="0" y="0"/>
+          <a:chExt cx="0" cy="0"/>
+        </a:xfrm>
+      </p:grpSpPr>
+      <p:sp>
+        <p:nvSpPr>
+          <p:cNvPr id="2" name="Slide Image Placeholder 1"/>
+          <p:cNvSpPr>
+            <a:spLocks noGrp="1" noRot="1" noChangeAspect="1"/>
+          </p:cNvSpPr>
+          <p:nvPr>
+            <p:ph type="sldImg"/>
+          </p:nvPr>
+        </p:nvSpPr>
+        <p:spPr/>
+      </p:sp>
+      <p:sp>
+        <p:nvSpPr>
+          <p:cNvPr id="3" name="Notes Placeholder 2"/>
+          <p:cNvSpPr>
+            <a:spLocks noGrp="1"/>
+          </p:cNvSpPr>
+          <p:nvPr>
+            <p:ph type="body" idx="1"/>
+          </p:nvPr>
+        </p:nvSpPr>
+        <p:spPr/>
+        <p:txBody>
+          <a:bodyPr/>
+          <a:lstStyle/>
+          <a:p>
+            <a:endParaRPr lang="en-US" dirty="0"/>
+          </a:p>
+        </p:txBody>
+      </p:sp>
+      <p:sp>
+        <p:nvSpPr>
+          <p:cNvPr id="4" name="Slide Number Placeholder 3"/>
+          <p:cNvSpPr>
+            <a:spLocks noGrp="1"/>
+          </p:cNvSpPr>
+          <p:nvPr>
+            <p:ph type="sldNum" sz="quarter" idx="10"/>
+          </p:nvPr>
+        </p:nvSpPr>
+        <p:spPr/>
+        <p:txBody>
+          <a:bodyPr/>
+          <a:lstStyle/>
+          <a:p>
+            <a:fld id="{2D8A47E9-43C9-0F4F-9379-1746571B2494}" type="slidenum">
+              <a:rPr lang="en-US" smtClean="0"/>
+              <a:t>13</a:t>
+            </a:fld>
+            <a:endParaRPr lang="en-US"/>
+          </a:p>
+        </p:txBody>
+      </p:sp>
+    </p:spTree>
+    <p:extLst>
+      <p:ext uri="{BB962C8B-B14F-4D97-AF65-F5344CB8AC3E}">
+        <p14:creationId xmlns:p14="http://schemas.microsoft.com/office/powerpoint/2010/main" val="1185972510"/>
+      </p:ext>
+    </p:extLst>
+  </p:cSld>
+  <p:clrMapOvr>
+    <a:masterClrMapping/>
+  </p:clrMapOvr>
+</p:notes>
+</file>
+
+<file path=ppt/notesSlides/notesSlide13.xml><?xml version="1.0" encoding="utf-8"?>
+<p:notes xmlns:a="http://schemas.openxmlformats.org/drawingml/2006/main" xmlns:r="http://schemas.openxmlformats.org/officeDocument/2006/relationships" xmlns:p="http://schemas.openxmlformats.org/presentationml/2006/main">
+  <p:cSld>
+    <p:spTree>
+      <p:nvGrpSpPr>
+        <p:cNvPr id="1" name=""/>
+        <p:cNvGrpSpPr/>
+        <p:nvPr/>
+      </p:nvGrpSpPr>
+      <p:grpSpPr>
+        <a:xfrm>
+          <a:off x="0" y="0"/>
+          <a:ext cx="0" cy="0"/>
+          <a:chOff x="0" y="0"/>
+          <a:chExt cx="0" cy="0"/>
+        </a:xfrm>
+      </p:grpSpPr>
+      <p:sp>
+        <p:nvSpPr>
+          <p:cNvPr id="2" name="Slide Image Placeholder 1"/>
+          <p:cNvSpPr>
+            <a:spLocks noGrp="1" noRot="1" noChangeAspect="1"/>
+          </p:cNvSpPr>
+          <p:nvPr>
+            <p:ph type="sldImg"/>
+          </p:nvPr>
+        </p:nvSpPr>
+        <p:spPr/>
+      </p:sp>
+      <p:sp>
+        <p:nvSpPr>
+          <p:cNvPr id="3" name="Notes Placeholder 2"/>
+          <p:cNvSpPr>
+            <a:spLocks noGrp="1"/>
+          </p:cNvSpPr>
+          <p:nvPr>
+            <p:ph type="body" idx="1"/>
+          </p:nvPr>
+        </p:nvSpPr>
+        <p:spPr/>
+        <p:txBody>
+          <a:bodyPr/>
+          <a:lstStyle/>
+          <a:p>
+            <a:endParaRPr lang="en-US" dirty="0"/>
+          </a:p>
+        </p:txBody>
+      </p:sp>
+      <p:sp>
+        <p:nvSpPr>
+          <p:cNvPr id="4" name="Slide Number Placeholder 3"/>
+          <p:cNvSpPr>
+            <a:spLocks noGrp="1"/>
+          </p:cNvSpPr>
+          <p:nvPr>
+            <p:ph type="sldNum" sz="quarter" idx="10"/>
+          </p:nvPr>
+        </p:nvSpPr>
+        <p:spPr/>
+        <p:txBody>
+          <a:bodyPr/>
+          <a:lstStyle/>
+          <a:p>
+            <a:fld id="{2D8A47E9-43C9-0F4F-9379-1746571B2494}" type="slidenum">
+              <a:rPr lang="en-US" smtClean="0"/>
+              <a:t>14</a:t>
+            </a:fld>
+            <a:endParaRPr lang="en-US"/>
+          </a:p>
+        </p:txBody>
+      </p:sp>
+    </p:spTree>
+    <p:extLst>
+      <p:ext uri="{BB962C8B-B14F-4D97-AF65-F5344CB8AC3E}">
+        <p14:creationId xmlns:p14="http://schemas.microsoft.com/office/powerpoint/2010/main" val="2490136070"/>
+      </p:ext>
+    </p:extLst>
+  </p:cSld>
+  <p:clrMapOvr>
+    <a:masterClrMapping/>
+  </p:clrMapOvr>
+</p:notes>
+</file>
+
+<file path=ppt/notesSlides/notesSlide14.xml><?xml version="1.0" encoding="utf-8"?>
+<p:notes xmlns:a="http://schemas.openxmlformats.org/drawingml/2006/main" xmlns:r="http://schemas.openxmlformats.org/officeDocument/2006/relationships" xmlns:p="http://schemas.openxmlformats.org/presentationml/2006/main">
+  <p:cSld>
+    <p:spTree>
+      <p:nvGrpSpPr>
+        <p:cNvPr id="1" name=""/>
+        <p:cNvGrpSpPr/>
+        <p:nvPr/>
+      </p:nvGrpSpPr>
+      <p:grpSpPr>
+        <a:xfrm>
+          <a:off x="0" y="0"/>
+          <a:ext cx="0" cy="0"/>
+          <a:chOff x="0" y="0"/>
+          <a:chExt cx="0" cy="0"/>
+        </a:xfrm>
+      </p:grpSpPr>
+      <p:sp>
+        <p:nvSpPr>
+          <p:cNvPr id="2" name="Slide Image Placeholder 1"/>
+          <p:cNvSpPr>
+            <a:spLocks noGrp="1" noRot="1" noChangeAspect="1"/>
+          </p:cNvSpPr>
+          <p:nvPr>
+            <p:ph type="sldImg"/>
+          </p:nvPr>
+        </p:nvSpPr>
+        <p:spPr/>
+      </p:sp>
+      <p:sp>
+        <p:nvSpPr>
+          <p:cNvPr id="3" name="Notes Placeholder 2"/>
+          <p:cNvSpPr>
+            <a:spLocks noGrp="1"/>
+          </p:cNvSpPr>
+          <p:nvPr>
+            <p:ph type="body" idx="1"/>
+          </p:nvPr>
+        </p:nvSpPr>
+        <p:spPr/>
+        <p:txBody>
+          <a:bodyPr/>
+          <a:lstStyle/>
+          <a:p>
+            <a:endParaRPr lang="en-US" dirty="0"/>
+          </a:p>
+        </p:txBody>
+      </p:sp>
+      <p:sp>
+        <p:nvSpPr>
+          <p:cNvPr id="4" name="Slide Number Placeholder 3"/>
+          <p:cNvSpPr>
+            <a:spLocks noGrp="1"/>
+          </p:cNvSpPr>
+          <p:nvPr>
+            <p:ph type="sldNum" sz="quarter" idx="10"/>
+          </p:nvPr>
+        </p:nvSpPr>
+        <p:spPr/>
+        <p:txBody>
+          <a:bodyPr/>
+          <a:lstStyle/>
+          <a:p>
+            <a:fld id="{2D8A47E9-43C9-0F4F-9379-1746571B2494}" type="slidenum">
+              <a:rPr lang="en-US" smtClean="0"/>
+              <a:t>15</a:t>
+            </a:fld>
+            <a:endParaRPr lang="en-US"/>
+          </a:p>
+        </p:txBody>
+      </p:sp>
+    </p:spTree>
+    <p:extLst>
+      <p:ext uri="{BB962C8B-B14F-4D97-AF65-F5344CB8AC3E}">
+        <p14:creationId xmlns:p14="http://schemas.microsoft.com/office/powerpoint/2010/main" val="3326728025"/>
+      </p:ext>
+    </p:extLst>
+  </p:cSld>
+  <p:clrMapOvr>
+    <a:masterClrMapping/>
+  </p:clrMapOvr>
+</p:notes>
+</file>
+
 <file path=ppt/notesSlides/notesSlide2.xml><?xml version="1.0" encoding="utf-8"?>
 <p:notes xmlns:a="http://schemas.openxmlformats.org/drawingml/2006/main" xmlns:r="http://schemas.openxmlformats.org/officeDocument/2006/relationships" xmlns:p="http://schemas.openxmlformats.org/presentationml/2006/main">
   <p:cSld>
@@ -3224,7 +3479,7 @@
             <a:fld id="{28E80666-FB37-4B36-9149-507F3B0178E3}" type="datetimeFigureOut">
               <a:rPr lang="en-US" smtClean="0"/>
               <a:pPr/>
-              <a:t>5/25/2022</a:t>
+              <a:t>5/26/2022</a:t>
             </a:fld>
             <a:endParaRPr lang="en-US"/>
           </a:p>
@@ -3406,7 +3661,7 @@
           <a:p>
             <a:fld id="{05DB9FB3-5BB2-724E-A037-6C88DDC21847}" type="datetimeFigureOut">
               <a:rPr lang="en-US" smtClean="0"/>
-              <a:t>5/25/2022</a:t>
+              <a:t>5/26/2022</a:t>
             </a:fld>
             <a:endParaRPr lang="en-US"/>
           </a:p>
@@ -3557,7 +3812,7 @@
           <a:p>
             <a:fld id="{05DB9FB3-5BB2-724E-A037-6C88DDC21847}" type="datetimeFigureOut">
               <a:rPr lang="en-US" smtClean="0"/>
-              <a:t>5/25/2022</a:t>
+              <a:t>5/26/2022</a:t>
             </a:fld>
             <a:endParaRPr lang="en-US"/>
           </a:p>
@@ -5383,7 +5638,7 @@
           <a:p>
             <a:fld id="{05DB9FB3-5BB2-724E-A037-6C88DDC21847}" type="datetimeFigureOut">
               <a:rPr lang="en-US" smtClean="0"/>
-              <a:t>5/25/2022</a:t>
+              <a:t>5/26/2022</a:t>
             </a:fld>
             <a:endParaRPr lang="en-US"/>
           </a:p>
@@ -7254,7 +7509,7 @@
             <a:fld id="{28E80666-FB37-4B36-9149-507F3B0178E3}" type="datetimeFigureOut">
               <a:rPr lang="en-US" smtClean="0"/>
               <a:pPr/>
-              <a:t>5/25/2022</a:t>
+              <a:t>5/26/2022</a:t>
             </a:fld>
             <a:endParaRPr lang="en-US"/>
           </a:p>
@@ -7368,7 +7623,7 @@
           <a:p>
             <a:fld id="{05DB9FB3-5BB2-724E-A037-6C88DDC21847}" type="datetimeFigureOut">
               <a:rPr lang="en-US" smtClean="0"/>
-              <a:t>5/25/2022</a:t>
+              <a:t>5/26/2022</a:t>
             </a:fld>
             <a:endParaRPr lang="en-US"/>
           </a:p>
@@ -7909,7 +8164,7 @@
           <a:p>
             <a:fld id="{05DB9FB3-5BB2-724E-A037-6C88DDC21847}" type="datetimeFigureOut">
               <a:rPr lang="en-US" smtClean="0"/>
-              <a:t>5/25/2022</a:t>
+              <a:t>5/26/2022</a:t>
             </a:fld>
             <a:endParaRPr lang="en-US"/>
           </a:p>
@@ -8022,7 +8277,7 @@
           <a:p>
             <a:fld id="{05DB9FB3-5BB2-724E-A037-6C88DDC21847}" type="datetimeFigureOut">
               <a:rPr lang="en-US" smtClean="0"/>
-              <a:t>5/25/2022</a:t>
+              <a:t>5/26/2022</a:t>
             </a:fld>
             <a:endParaRPr lang="en-US"/>
           </a:p>
@@ -9733,7 +9988,7 @@
           <a:p>
             <a:fld id="{05DB9FB3-5BB2-724E-A037-6C88DDC21847}" type="datetimeFigureOut">
               <a:rPr lang="en-US" smtClean="0"/>
-              <a:t>5/25/2022</a:t>
+              <a:t>5/26/2022</a:t>
             </a:fld>
             <a:endParaRPr lang="en-US"/>
           </a:p>
@@ -9884,7 +10139,7 @@
           <a:p>
             <a:fld id="{05DB9FB3-5BB2-724E-A037-6C88DDC21847}" type="datetimeFigureOut">
               <a:rPr lang="en-US" smtClean="0"/>
-              <a:t>5/25/2022</a:t>
+              <a:t>5/26/2022</a:t>
             </a:fld>
             <a:endParaRPr lang="en-US"/>
           </a:p>
@@ -13499,7 +13754,7 @@
           <a:p>
             <a:fld id="{05DB9FB3-5BB2-724E-A037-6C88DDC21847}" type="datetimeFigureOut">
               <a:rPr lang="en-US" smtClean="0"/>
-              <a:t>5/25/2022</a:t>
+              <a:t>5/26/2022</a:t>
             </a:fld>
             <a:endParaRPr lang="en-US"/>
           </a:p>
@@ -15358,7 +15613,7 @@
           <a:p>
             <a:fld id="{05DB9FB3-5BB2-724E-A037-6C88DDC21847}" type="datetimeFigureOut">
               <a:rPr lang="en-US" smtClean="0"/>
-              <a:t>5/25/2022</a:t>
+              <a:t>5/26/2022</a:t>
             </a:fld>
             <a:endParaRPr lang="en-US"/>
           </a:p>
@@ -16533,6 +16788,1137 @@
 </p:sld>
 </file>
 
+<file path=ppt/slides/slide13.xml><?xml version="1.0" encoding="utf-8"?>
+<p:sld xmlns:a="http://schemas.openxmlformats.org/drawingml/2006/main" xmlns:r="http://schemas.openxmlformats.org/officeDocument/2006/relationships" xmlns:p="http://schemas.openxmlformats.org/presentationml/2006/main">
+  <p:cSld>
+    <p:spTree>
+      <p:nvGrpSpPr>
+        <p:cNvPr id="1" name=""/>
+        <p:cNvGrpSpPr/>
+        <p:nvPr/>
+      </p:nvGrpSpPr>
+      <p:grpSpPr>
+        <a:xfrm>
+          <a:off x="0" y="0"/>
+          <a:ext cx="0" cy="0"/>
+          <a:chOff x="0" y="0"/>
+          <a:chExt cx="0" cy="0"/>
+        </a:xfrm>
+      </p:grpSpPr>
+      <p:sp>
+        <p:nvSpPr>
+          <p:cNvPr id="2" name="Title 1"/>
+          <p:cNvSpPr>
+            <a:spLocks noGrp="1"/>
+          </p:cNvSpPr>
+          <p:nvPr>
+            <p:ph type="title"/>
+          </p:nvPr>
+        </p:nvSpPr>
+        <p:spPr>
+          <a:xfrm>
+            <a:off x="251586" y="244158"/>
+            <a:ext cx="8637831" cy="1339850"/>
+          </a:xfrm>
+        </p:spPr>
+        <p:txBody>
+          <a:bodyPr anchor="t">
+            <a:normAutofit/>
+          </a:bodyPr>
+          <a:lstStyle/>
+          <a:p>
+            <a:pPr algn="l"/>
+            <a:r>
+              <a:rPr lang="en-US" dirty="0" smtClean="0"/>
+              <a:t>Specify a Distribution</a:t>
+            </a:r>
+            <a:endParaRPr lang="en-US" dirty="0"/>
+          </a:p>
+        </p:txBody>
+      </p:sp>
+      <p:sp>
+        <p:nvSpPr>
+          <p:cNvPr id="5" name="Rectangle 4"/>
+          <p:cNvSpPr/>
+          <p:nvPr/>
+        </p:nvSpPr>
+        <p:spPr>
+          <a:xfrm>
+            <a:off x="351174" y="2612309"/>
+            <a:ext cx="8298025" cy="523220"/>
+          </a:xfrm>
+          <a:prstGeom prst="rect">
+            <a:avLst/>
+          </a:prstGeom>
+        </p:spPr>
+        <p:txBody>
+          <a:bodyPr wrap="square">
+            <a:spAutoFit/>
+          </a:bodyPr>
+          <a:lstStyle/>
+          <a:p>
+            <a:r>
+              <a:rPr lang="en-US" sz="2800" dirty="0" smtClean="0">
+                <a:latin typeface="Lucida Sans" panose="020B0602030504020204" pitchFamily="34" charset="0"/>
+              </a:rPr>
+              <a:t>Write a module specifying your distro</a:t>
+            </a:r>
+            <a:endParaRPr lang="en-US" sz="2800" dirty="0">
+              <a:latin typeface="Lucida Sans" panose="020B0602030504020204" pitchFamily="34" charset="0"/>
+            </a:endParaRPr>
+          </a:p>
+        </p:txBody>
+      </p:sp>
+      <p:sp>
+        <p:nvSpPr>
+          <p:cNvPr id="4" name="TextBox 4"/>
+          <p:cNvSpPr txBox="1">
+            <a:spLocks noChangeArrowheads="1"/>
+          </p:cNvSpPr>
+          <p:nvPr/>
+        </p:nvSpPr>
+        <p:spPr bwMode="auto">
+          <a:xfrm>
+            <a:off x="531859" y="3135529"/>
+            <a:ext cx="5836854" cy="2862322"/>
+          </a:xfrm>
+          <a:prstGeom prst="rect">
+            <a:avLst/>
+          </a:prstGeom>
+          <a:solidFill>
+            <a:schemeClr val="tx2">
+              <a:lumMod val="20000"/>
+              <a:lumOff val="80000"/>
+            </a:schemeClr>
+          </a:solidFill>
+          <a:ln w="9525">
+            <a:solidFill>
+              <a:schemeClr val="tx1"/>
+            </a:solidFill>
+            <a:miter lim="800000"/>
+            <a:headEnd/>
+            <a:tailEnd/>
+          </a:ln>
+        </p:spPr>
+        <p:txBody>
+          <a:bodyPr wrap="none">
+            <a:spAutoFit/>
+          </a:bodyPr>
+          <a:lstStyle>
+            <a:lvl1pPr>
+              <a:defRPr sz="1000">
+                <a:solidFill>
+                  <a:schemeClr val="tx1"/>
+                </a:solidFill>
+                <a:latin typeface="Arial" charset="0"/>
+              </a:defRPr>
+            </a:lvl1pPr>
+            <a:lvl2pPr marL="742950" indent="-285750">
+              <a:defRPr sz="1000">
+                <a:solidFill>
+                  <a:schemeClr val="tx1"/>
+                </a:solidFill>
+                <a:latin typeface="Arial" charset="0"/>
+              </a:defRPr>
+            </a:lvl2pPr>
+            <a:lvl3pPr marL="1143000" indent="-228600">
+              <a:defRPr sz="1000">
+                <a:solidFill>
+                  <a:schemeClr val="tx1"/>
+                </a:solidFill>
+                <a:latin typeface="Arial" charset="0"/>
+              </a:defRPr>
+            </a:lvl3pPr>
+            <a:lvl4pPr marL="1600200" indent="-228600">
+              <a:defRPr sz="1000">
+                <a:solidFill>
+                  <a:schemeClr val="tx1"/>
+                </a:solidFill>
+                <a:latin typeface="Arial" charset="0"/>
+              </a:defRPr>
+            </a:lvl4pPr>
+            <a:lvl5pPr marL="2057400" indent="-228600">
+              <a:defRPr sz="1000">
+                <a:solidFill>
+                  <a:schemeClr val="tx1"/>
+                </a:solidFill>
+                <a:latin typeface="Arial" charset="0"/>
+              </a:defRPr>
+            </a:lvl5pPr>
+            <a:lvl6pPr marL="2514600" indent="-228600" eaLnBrk="0" fontAlgn="base" hangingPunct="0">
+              <a:spcBef>
+                <a:spcPct val="50000"/>
+              </a:spcBef>
+              <a:spcAft>
+                <a:spcPct val="0"/>
+              </a:spcAft>
+              <a:defRPr sz="1000">
+                <a:solidFill>
+                  <a:schemeClr val="tx1"/>
+                </a:solidFill>
+                <a:latin typeface="Arial" charset="0"/>
+              </a:defRPr>
+            </a:lvl6pPr>
+            <a:lvl7pPr marL="2971800" indent="-228600" eaLnBrk="0" fontAlgn="base" hangingPunct="0">
+              <a:spcBef>
+                <a:spcPct val="50000"/>
+              </a:spcBef>
+              <a:spcAft>
+                <a:spcPct val="0"/>
+              </a:spcAft>
+              <a:defRPr sz="1000">
+                <a:solidFill>
+                  <a:schemeClr val="tx1"/>
+                </a:solidFill>
+                <a:latin typeface="Arial" charset="0"/>
+              </a:defRPr>
+            </a:lvl7pPr>
+            <a:lvl8pPr marL="3429000" indent="-228600" eaLnBrk="0" fontAlgn="base" hangingPunct="0">
+              <a:spcBef>
+                <a:spcPct val="50000"/>
+              </a:spcBef>
+              <a:spcAft>
+                <a:spcPct val="0"/>
+              </a:spcAft>
+              <a:defRPr sz="1000">
+                <a:solidFill>
+                  <a:schemeClr val="tx1"/>
+                </a:solidFill>
+                <a:latin typeface="Arial" charset="0"/>
+              </a:defRPr>
+            </a:lvl8pPr>
+            <a:lvl9pPr marL="3886200" indent="-228600" eaLnBrk="0" fontAlgn="base" hangingPunct="0">
+              <a:spcBef>
+                <a:spcPct val="50000"/>
+              </a:spcBef>
+              <a:spcAft>
+                <a:spcPct val="0"/>
+              </a:spcAft>
+              <a:defRPr sz="1000">
+                <a:solidFill>
+                  <a:schemeClr val="tx1"/>
+                </a:solidFill>
+                <a:latin typeface="Arial" charset="0"/>
+              </a:defRPr>
+            </a:lvl9pPr>
+          </a:lstStyle>
+          <a:p>
+            <a:pPr>
+              <a:spcBef>
+                <a:spcPct val="0"/>
+              </a:spcBef>
+            </a:pPr>
+            <a:r>
+              <a:rPr lang="en-GB" sz="1800" dirty="0">
+                <a:latin typeface="Courier New" panose="02070309020205020404" pitchFamily="49" charset="0"/>
+              </a:rPr>
+              <a:t>from </a:t>
+            </a:r>
+            <a:r>
+              <a:rPr lang="en-GB" sz="1800" dirty="0" err="1">
+                <a:latin typeface="Courier New" panose="02070309020205020404" pitchFamily="49" charset="0"/>
+              </a:rPr>
+              <a:t>distutils.core</a:t>
+            </a:r>
+            <a:r>
+              <a:rPr lang="en-GB" sz="1800" dirty="0">
+                <a:latin typeface="Courier New" panose="02070309020205020404" pitchFamily="49" charset="0"/>
+              </a:rPr>
+              <a:t> import setup</a:t>
+            </a:r>
+          </a:p>
+          <a:p>
+            <a:pPr>
+              <a:spcBef>
+                <a:spcPct val="0"/>
+              </a:spcBef>
+            </a:pPr>
+            <a:endParaRPr lang="en-GB" sz="1800" dirty="0">
+              <a:latin typeface="Courier New" panose="02070309020205020404" pitchFamily="49" charset="0"/>
+            </a:endParaRPr>
+          </a:p>
+          <a:p>
+            <a:pPr>
+              <a:spcBef>
+                <a:spcPct val="0"/>
+              </a:spcBef>
+            </a:pPr>
+            <a:r>
+              <a:rPr lang="en-GB" sz="1800" dirty="0">
+                <a:latin typeface="Courier New" panose="02070309020205020404" pitchFamily="49" charset="0"/>
+              </a:rPr>
+              <a:t>setup(</a:t>
+            </a:r>
+          </a:p>
+          <a:p>
+            <a:pPr>
+              <a:spcBef>
+                <a:spcPct val="0"/>
+              </a:spcBef>
+            </a:pPr>
+            <a:r>
+              <a:rPr lang="en-GB" sz="1800" dirty="0">
+                <a:latin typeface="Courier New" panose="02070309020205020404" pitchFamily="49" charset="0"/>
+              </a:rPr>
+              <a:t>    name = </a:t>
+            </a:r>
+            <a:r>
+              <a:rPr lang="en-GB" sz="1800" dirty="0">
+                <a:latin typeface="Courier New" panose="02070309020205020404" pitchFamily="49" charset="0"/>
+              </a:rPr>
+              <a:t>"</a:t>
+            </a:r>
+            <a:r>
+              <a:rPr lang="en-GB" sz="1800" dirty="0" err="1">
+                <a:latin typeface="Courier New" panose="02070309020205020404" pitchFamily="49" charset="0"/>
+              </a:rPr>
+              <a:t>coffee_machine</a:t>
+            </a:r>
+            <a:r>
+              <a:rPr lang="en-GB" sz="1800" dirty="0" smtClean="0">
+                <a:latin typeface="Courier New" panose="02070309020205020404" pitchFamily="49" charset="0"/>
+              </a:rPr>
+              <a:t>",</a:t>
+            </a:r>
+            <a:endParaRPr lang="en-GB" sz="1800" dirty="0">
+              <a:latin typeface="Courier New" panose="02070309020205020404" pitchFamily="49" charset="0"/>
+            </a:endParaRPr>
+          </a:p>
+          <a:p>
+            <a:pPr>
+              <a:spcBef>
+                <a:spcPct val="0"/>
+              </a:spcBef>
+            </a:pPr>
+            <a:r>
+              <a:rPr lang="en-GB" sz="1800" dirty="0">
+                <a:latin typeface="Courier New" panose="02070309020205020404" pitchFamily="49" charset="0"/>
+              </a:rPr>
+              <a:t>    version = "1.0",</a:t>
+            </a:r>
+          </a:p>
+          <a:p>
+            <a:pPr>
+              <a:spcBef>
+                <a:spcPct val="0"/>
+              </a:spcBef>
+            </a:pPr>
+            <a:r>
+              <a:rPr lang="en-GB" sz="1800" dirty="0">
+                <a:latin typeface="Courier New" panose="02070309020205020404" pitchFamily="49" charset="0"/>
+              </a:rPr>
+              <a:t>    author = </a:t>
+            </a:r>
+            <a:r>
+              <a:rPr lang="en-GB" sz="1800" dirty="0">
+                <a:latin typeface="Courier New" panose="02070309020205020404" pitchFamily="49" charset="0"/>
+              </a:rPr>
+              <a:t>"Stephen</a:t>
+            </a:r>
+            <a:r>
+              <a:rPr lang="en-GB" sz="1800" dirty="0" smtClean="0">
+                <a:latin typeface="Courier New" panose="02070309020205020404" pitchFamily="49" charset="0"/>
+              </a:rPr>
+              <a:t>",</a:t>
+            </a:r>
+            <a:endParaRPr lang="en-GB" sz="1800" dirty="0">
+              <a:latin typeface="Courier New" panose="02070309020205020404" pitchFamily="49" charset="0"/>
+            </a:endParaRPr>
+          </a:p>
+          <a:p>
+            <a:pPr>
+              <a:spcBef>
+                <a:spcPct val="0"/>
+              </a:spcBef>
+            </a:pPr>
+            <a:r>
+              <a:rPr lang="en-GB" sz="1800" dirty="0">
+                <a:latin typeface="Courier New" panose="02070309020205020404" pitchFamily="49" charset="0"/>
+              </a:rPr>
+              <a:t>    </a:t>
+            </a:r>
+            <a:r>
+              <a:rPr lang="en-GB" sz="1800" dirty="0" err="1">
+                <a:latin typeface="Courier New" panose="02070309020205020404" pitchFamily="49" charset="0"/>
+              </a:rPr>
+              <a:t>author_email</a:t>
+            </a:r>
+            <a:r>
+              <a:rPr lang="en-GB" sz="1800" dirty="0">
+                <a:latin typeface="Courier New" panose="02070309020205020404" pitchFamily="49" charset="0"/>
+              </a:rPr>
+              <a:t> = </a:t>
+            </a:r>
+            <a:r>
+              <a:rPr lang="en-GB" sz="1800" dirty="0">
+                <a:latin typeface="Courier New" panose="02070309020205020404" pitchFamily="49" charset="0"/>
+              </a:rPr>
+              <a:t>"Stephen@QA.com</a:t>
+            </a:r>
+            <a:r>
+              <a:rPr lang="en-GB" sz="1800" dirty="0">
+                <a:latin typeface="Courier New" panose="02070309020205020404" pitchFamily="49" charset="0"/>
+              </a:rPr>
+              <a:t>",</a:t>
+            </a:r>
+          </a:p>
+          <a:p>
+            <a:pPr>
+              <a:spcBef>
+                <a:spcPct val="0"/>
+              </a:spcBef>
+            </a:pPr>
+            <a:r>
+              <a:rPr lang="en-GB" sz="1800" dirty="0">
+                <a:latin typeface="Courier New" panose="02070309020205020404" pitchFamily="49" charset="0"/>
+              </a:rPr>
+              <a:t>    </a:t>
+            </a:r>
+            <a:r>
+              <a:rPr lang="en-GB" sz="1800" dirty="0" err="1">
+                <a:latin typeface="Courier New" panose="02070309020205020404" pitchFamily="49" charset="0"/>
+              </a:rPr>
+              <a:t>py_modules</a:t>
+            </a:r>
+            <a:r>
+              <a:rPr lang="en-GB" sz="1800" dirty="0">
+                <a:latin typeface="Courier New" panose="02070309020205020404" pitchFamily="49" charset="0"/>
+              </a:rPr>
+              <a:t> = </a:t>
+            </a:r>
+            <a:r>
+              <a:rPr lang="en-GB" sz="1800" dirty="0">
+                <a:latin typeface="Courier New" panose="02070309020205020404" pitchFamily="49" charset="0"/>
+              </a:rPr>
+              <a:t>['main</a:t>
+            </a:r>
+            <a:r>
+              <a:rPr lang="en-GB" sz="1800" dirty="0" smtClean="0">
+                <a:latin typeface="Courier New" panose="02070309020205020404" pitchFamily="49" charset="0"/>
+              </a:rPr>
+              <a:t>'],</a:t>
+            </a:r>
+            <a:endParaRPr lang="en-GB" sz="1800" dirty="0">
+              <a:latin typeface="Courier New" panose="02070309020205020404" pitchFamily="49" charset="0"/>
+            </a:endParaRPr>
+          </a:p>
+          <a:p>
+            <a:pPr>
+              <a:spcBef>
+                <a:spcPct val="0"/>
+              </a:spcBef>
+            </a:pPr>
+            <a:r>
+              <a:rPr lang="en-GB" sz="1800" dirty="0">
+                <a:latin typeface="Courier New" panose="02070309020205020404" pitchFamily="49" charset="0"/>
+              </a:rPr>
+              <a:t>    packages = </a:t>
+            </a:r>
+            <a:r>
+              <a:rPr lang="en-GB" sz="1800" dirty="0">
+                <a:latin typeface="Courier New" panose="02070309020205020404" pitchFamily="49" charset="0"/>
+              </a:rPr>
+              <a:t>[</a:t>
+            </a:r>
+            <a:r>
+              <a:rPr lang="en-GB" sz="1800" dirty="0" smtClean="0">
+                <a:latin typeface="Courier New" panose="02070309020205020404" pitchFamily="49" charset="0"/>
+              </a:rPr>
+              <a:t>'</a:t>
+            </a:r>
+            <a:r>
+              <a:rPr lang="en-GB" sz="1800" dirty="0" err="1" smtClean="0">
+                <a:latin typeface="Courier New" panose="02070309020205020404" pitchFamily="49" charset="0"/>
+              </a:rPr>
+              <a:t>payments','initialise</a:t>
+            </a:r>
+            <a:r>
+              <a:rPr lang="en-GB" sz="1800" dirty="0" smtClean="0">
+                <a:latin typeface="Courier New" panose="02070309020205020404" pitchFamily="49" charset="0"/>
+              </a:rPr>
+              <a:t>']</a:t>
+            </a:r>
+            <a:endParaRPr lang="en-GB" sz="1800" dirty="0">
+              <a:latin typeface="Courier New" panose="02070309020205020404" pitchFamily="49" charset="0"/>
+            </a:endParaRPr>
+          </a:p>
+          <a:p>
+            <a:pPr>
+              <a:spcBef>
+                <a:spcPct val="0"/>
+              </a:spcBef>
+            </a:pPr>
+            <a:r>
+              <a:rPr lang="en-GB" sz="1800" dirty="0" smtClean="0">
+                <a:latin typeface="Courier New" panose="02070309020205020404" pitchFamily="49" charset="0"/>
+              </a:rPr>
+              <a:t>)</a:t>
+            </a:r>
+            <a:endParaRPr lang="en-GB" sz="1800" dirty="0">
+              <a:latin typeface="Courier New" panose="02070309020205020404" pitchFamily="49" charset="0"/>
+            </a:endParaRPr>
+          </a:p>
+        </p:txBody>
+      </p:sp>
+    </p:spTree>
+    <p:extLst>
+      <p:ext uri="{BB962C8B-B14F-4D97-AF65-F5344CB8AC3E}">
+        <p14:creationId xmlns:p14="http://schemas.microsoft.com/office/powerpoint/2010/main" val="3985775590"/>
+      </p:ext>
+    </p:extLst>
+  </p:cSld>
+  <p:clrMapOvr>
+    <a:masterClrMapping/>
+  </p:clrMapOvr>
+  <p:timing>
+    <p:tnLst>
+      <p:par>
+        <p:cTn id="1" dur="indefinite" restart="never" nodeType="tmRoot"/>
+      </p:par>
+    </p:tnLst>
+  </p:timing>
+</p:sld>
+</file>
+
+<file path=ppt/slides/slide14.xml><?xml version="1.0" encoding="utf-8"?>
+<p:sld xmlns:a="http://schemas.openxmlformats.org/drawingml/2006/main" xmlns:r="http://schemas.openxmlformats.org/officeDocument/2006/relationships" xmlns:p="http://schemas.openxmlformats.org/presentationml/2006/main">
+  <p:cSld>
+    <p:spTree>
+      <p:nvGrpSpPr>
+        <p:cNvPr id="1" name=""/>
+        <p:cNvGrpSpPr/>
+        <p:nvPr/>
+      </p:nvGrpSpPr>
+      <p:grpSpPr>
+        <a:xfrm>
+          <a:off x="0" y="0"/>
+          <a:ext cx="0" cy="0"/>
+          <a:chOff x="0" y="0"/>
+          <a:chExt cx="0" cy="0"/>
+        </a:xfrm>
+      </p:grpSpPr>
+      <p:sp>
+        <p:nvSpPr>
+          <p:cNvPr id="2" name="Title 1"/>
+          <p:cNvSpPr>
+            <a:spLocks noGrp="1"/>
+          </p:cNvSpPr>
+          <p:nvPr>
+            <p:ph type="title"/>
+          </p:nvPr>
+        </p:nvSpPr>
+        <p:spPr>
+          <a:xfrm>
+            <a:off x="251586" y="244158"/>
+            <a:ext cx="8637831" cy="1339850"/>
+          </a:xfrm>
+        </p:spPr>
+        <p:txBody>
+          <a:bodyPr anchor="t"/>
+          <a:lstStyle/>
+          <a:p>
+            <a:pPr algn="l"/>
+            <a:r>
+              <a:rPr lang="en-US" dirty="0" smtClean="0"/>
+              <a:t>Create a Distribution</a:t>
+            </a:r>
+            <a:endParaRPr lang="en-US" dirty="0"/>
+          </a:p>
+        </p:txBody>
+      </p:sp>
+      <p:sp>
+        <p:nvSpPr>
+          <p:cNvPr id="5" name="Rectangle 4"/>
+          <p:cNvSpPr/>
+          <p:nvPr/>
+        </p:nvSpPr>
+        <p:spPr>
+          <a:xfrm>
+            <a:off x="351174" y="2612309"/>
+            <a:ext cx="8298025" cy="3293209"/>
+          </a:xfrm>
+          <a:prstGeom prst="rect">
+            <a:avLst/>
+          </a:prstGeom>
+        </p:spPr>
+        <p:txBody>
+          <a:bodyPr wrap="square">
+            <a:spAutoFit/>
+          </a:bodyPr>
+          <a:lstStyle/>
+          <a:p>
+            <a:r>
+              <a:rPr lang="en-US" sz="2800" dirty="0" smtClean="0">
+                <a:latin typeface="Lucida Sans" panose="020B0602030504020204" pitchFamily="34" charset="0"/>
+              </a:rPr>
+              <a:t>Write a module specifying your distro</a:t>
+            </a:r>
+          </a:p>
+          <a:p>
+            <a:endParaRPr lang="en-US" sz="2800" dirty="0">
+              <a:latin typeface="Lucida Sans" panose="020B0602030504020204" pitchFamily="34" charset="0"/>
+            </a:endParaRPr>
+          </a:p>
+          <a:p>
+            <a:endParaRPr lang="en-US" sz="2800" dirty="0" smtClean="0">
+              <a:latin typeface="Lucida Sans" panose="020B0602030504020204" pitchFamily="34" charset="0"/>
+            </a:endParaRPr>
+          </a:p>
+          <a:p>
+            <a:r>
+              <a:rPr lang="en-US" sz="2400" dirty="0" smtClean="0">
+                <a:latin typeface="Lucida Sans" panose="020B0602030504020204" pitchFamily="34" charset="0"/>
+              </a:rPr>
+              <a:t>	</a:t>
+            </a:r>
+            <a:r>
+              <a:rPr lang="en-US" sz="2400" dirty="0" err="1" smtClean="0">
+                <a:latin typeface="Lucida Sans" panose="020B0602030504020204" pitchFamily="34" charset="0"/>
+              </a:rPr>
+              <a:t>sdist</a:t>
+            </a:r>
+            <a:r>
+              <a:rPr lang="en-US" sz="2400" dirty="0" smtClean="0">
+                <a:latin typeface="Lucida Sans" panose="020B0602030504020204" pitchFamily="34" charset="0"/>
+              </a:rPr>
+              <a:t> means source-file distribution</a:t>
+            </a:r>
+          </a:p>
+          <a:p>
+            <a:pPr marL="0" lvl="1"/>
+            <a:r>
+              <a:rPr lang="en-GB" sz="2400" dirty="0" smtClean="0">
+                <a:latin typeface="Lucida Sans" panose="020B0602030504020204" pitchFamily="34" charset="0"/>
+              </a:rPr>
+              <a:t>	Compressed </a:t>
+            </a:r>
+            <a:r>
+              <a:rPr lang="en-GB" sz="2400" dirty="0">
+                <a:latin typeface="Lucida Sans" panose="020B0602030504020204" pitchFamily="34" charset="0"/>
+              </a:rPr>
+              <a:t>file is placed into sub-directory ./</a:t>
+            </a:r>
+            <a:r>
+              <a:rPr lang="en-GB" sz="2400" dirty="0" err="1" smtClean="0">
+                <a:latin typeface="Lucida Sans" panose="020B0602030504020204" pitchFamily="34" charset="0"/>
+              </a:rPr>
+              <a:t>dist</a:t>
+            </a:r>
+            <a:endParaRPr lang="en-GB" sz="2400" dirty="0" smtClean="0">
+              <a:latin typeface="Lucida Sans" panose="020B0602030504020204" pitchFamily="34" charset="0"/>
+            </a:endParaRPr>
+          </a:p>
+          <a:p>
+            <a:pPr marL="0" lvl="1"/>
+            <a:r>
+              <a:rPr lang="en-GB" sz="2400" dirty="0" smtClean="0">
+                <a:latin typeface="Lucida Sans" panose="020B0602030504020204" pitchFamily="34" charset="0"/>
+              </a:rPr>
+              <a:t>	coffee_machine-1.0.zip</a:t>
+            </a:r>
+            <a:endParaRPr lang="en-GB" sz="2400" dirty="0">
+              <a:latin typeface="Lucida Sans" panose="020B0602030504020204" pitchFamily="34" charset="0"/>
+            </a:endParaRPr>
+          </a:p>
+          <a:p>
+            <a:pPr marL="0" lvl="1"/>
+            <a:endParaRPr lang="en-GB" sz="2400" dirty="0" smtClean="0">
+              <a:latin typeface="Lucida Sans" panose="020B0602030504020204" pitchFamily="34" charset="0"/>
+            </a:endParaRPr>
+          </a:p>
+          <a:p>
+            <a:endParaRPr lang="en-US" sz="2800" dirty="0">
+              <a:latin typeface="Lucida Sans" panose="020B0602030504020204" pitchFamily="34" charset="0"/>
+            </a:endParaRPr>
+          </a:p>
+        </p:txBody>
+      </p:sp>
+      <p:sp>
+        <p:nvSpPr>
+          <p:cNvPr id="4" name="TextBox 4"/>
+          <p:cNvSpPr txBox="1">
+            <a:spLocks noChangeArrowheads="1"/>
+          </p:cNvSpPr>
+          <p:nvPr/>
+        </p:nvSpPr>
+        <p:spPr bwMode="auto">
+          <a:xfrm>
+            <a:off x="531859" y="3135529"/>
+            <a:ext cx="5698996" cy="369332"/>
+          </a:xfrm>
+          <a:prstGeom prst="rect">
+            <a:avLst/>
+          </a:prstGeom>
+          <a:solidFill>
+            <a:schemeClr val="tx2">
+              <a:lumMod val="20000"/>
+              <a:lumOff val="80000"/>
+            </a:schemeClr>
+          </a:solidFill>
+          <a:ln w="9525">
+            <a:solidFill>
+              <a:schemeClr val="tx1"/>
+            </a:solidFill>
+            <a:miter lim="800000"/>
+            <a:headEnd/>
+            <a:tailEnd/>
+          </a:ln>
+        </p:spPr>
+        <p:txBody>
+          <a:bodyPr wrap="none">
+            <a:spAutoFit/>
+          </a:bodyPr>
+          <a:lstStyle>
+            <a:lvl1pPr>
+              <a:defRPr sz="1000">
+                <a:solidFill>
+                  <a:schemeClr val="tx1"/>
+                </a:solidFill>
+                <a:latin typeface="Arial" charset="0"/>
+              </a:defRPr>
+            </a:lvl1pPr>
+            <a:lvl2pPr marL="742950" indent="-285750">
+              <a:defRPr sz="1000">
+                <a:solidFill>
+                  <a:schemeClr val="tx1"/>
+                </a:solidFill>
+                <a:latin typeface="Arial" charset="0"/>
+              </a:defRPr>
+            </a:lvl2pPr>
+            <a:lvl3pPr marL="1143000" indent="-228600">
+              <a:defRPr sz="1000">
+                <a:solidFill>
+                  <a:schemeClr val="tx1"/>
+                </a:solidFill>
+                <a:latin typeface="Arial" charset="0"/>
+              </a:defRPr>
+            </a:lvl3pPr>
+            <a:lvl4pPr marL="1600200" indent="-228600">
+              <a:defRPr sz="1000">
+                <a:solidFill>
+                  <a:schemeClr val="tx1"/>
+                </a:solidFill>
+                <a:latin typeface="Arial" charset="0"/>
+              </a:defRPr>
+            </a:lvl4pPr>
+            <a:lvl5pPr marL="2057400" indent="-228600">
+              <a:defRPr sz="1000">
+                <a:solidFill>
+                  <a:schemeClr val="tx1"/>
+                </a:solidFill>
+                <a:latin typeface="Arial" charset="0"/>
+              </a:defRPr>
+            </a:lvl5pPr>
+            <a:lvl6pPr marL="2514600" indent="-228600" eaLnBrk="0" fontAlgn="base" hangingPunct="0">
+              <a:spcBef>
+                <a:spcPct val="50000"/>
+              </a:spcBef>
+              <a:spcAft>
+                <a:spcPct val="0"/>
+              </a:spcAft>
+              <a:defRPr sz="1000">
+                <a:solidFill>
+                  <a:schemeClr val="tx1"/>
+                </a:solidFill>
+                <a:latin typeface="Arial" charset="0"/>
+              </a:defRPr>
+            </a:lvl6pPr>
+            <a:lvl7pPr marL="2971800" indent="-228600" eaLnBrk="0" fontAlgn="base" hangingPunct="0">
+              <a:spcBef>
+                <a:spcPct val="50000"/>
+              </a:spcBef>
+              <a:spcAft>
+                <a:spcPct val="0"/>
+              </a:spcAft>
+              <a:defRPr sz="1000">
+                <a:solidFill>
+                  <a:schemeClr val="tx1"/>
+                </a:solidFill>
+                <a:latin typeface="Arial" charset="0"/>
+              </a:defRPr>
+            </a:lvl7pPr>
+            <a:lvl8pPr marL="3429000" indent="-228600" eaLnBrk="0" fontAlgn="base" hangingPunct="0">
+              <a:spcBef>
+                <a:spcPct val="50000"/>
+              </a:spcBef>
+              <a:spcAft>
+                <a:spcPct val="0"/>
+              </a:spcAft>
+              <a:defRPr sz="1000">
+                <a:solidFill>
+                  <a:schemeClr val="tx1"/>
+                </a:solidFill>
+                <a:latin typeface="Arial" charset="0"/>
+              </a:defRPr>
+            </a:lvl8pPr>
+            <a:lvl9pPr marL="3886200" indent="-228600" eaLnBrk="0" fontAlgn="base" hangingPunct="0">
+              <a:spcBef>
+                <a:spcPct val="50000"/>
+              </a:spcBef>
+              <a:spcAft>
+                <a:spcPct val="0"/>
+              </a:spcAft>
+              <a:defRPr sz="1000">
+                <a:solidFill>
+                  <a:schemeClr val="tx1"/>
+                </a:solidFill>
+                <a:latin typeface="Arial" charset="0"/>
+              </a:defRPr>
+            </a:lvl9pPr>
+          </a:lstStyle>
+          <a:p>
+            <a:pPr>
+              <a:spcBef>
+                <a:spcPct val="0"/>
+              </a:spcBef>
+            </a:pPr>
+            <a:r>
+              <a:rPr lang="en-GB" sz="1800" dirty="0">
+                <a:latin typeface="Courier New" panose="02070309020205020404" pitchFamily="49" charset="0"/>
+              </a:rPr>
+              <a:t>C</a:t>
+            </a:r>
+            <a:r>
+              <a:rPr lang="en-GB" sz="1800" dirty="0" smtClean="0">
+                <a:latin typeface="Courier New" panose="02070309020205020404" pitchFamily="49" charset="0"/>
+              </a:rPr>
+              <a:t>:\</a:t>
+            </a:r>
+            <a:r>
+              <a:rPr lang="en-GB" sz="1800" dirty="0">
+                <a:latin typeface="Courier New" panose="02070309020205020404" pitchFamily="49" charset="0"/>
+              </a:rPr>
+              <a:t>coffee_machine</a:t>
+            </a:r>
+            <a:r>
+              <a:rPr lang="en-GB" sz="1800" dirty="0" smtClean="0">
+                <a:latin typeface="Courier New" panose="02070309020205020404" pitchFamily="49" charset="0"/>
+              </a:rPr>
+              <a:t>&gt; </a:t>
+            </a:r>
+            <a:r>
+              <a:rPr lang="en-GB" sz="1800" dirty="0">
+                <a:latin typeface="Courier New" panose="02070309020205020404" pitchFamily="49" charset="0"/>
+              </a:rPr>
+              <a:t>python setup.py </a:t>
+            </a:r>
+            <a:r>
+              <a:rPr lang="en-GB" sz="1800" dirty="0" err="1">
+                <a:latin typeface="Courier New" panose="02070309020205020404" pitchFamily="49" charset="0"/>
+              </a:rPr>
+              <a:t>sdist</a:t>
+            </a:r>
+            <a:endParaRPr lang="en-GB" sz="1800" dirty="0">
+              <a:latin typeface="Courier New" panose="02070309020205020404" pitchFamily="49" charset="0"/>
+            </a:endParaRPr>
+          </a:p>
+        </p:txBody>
+      </p:sp>
+    </p:spTree>
+    <p:extLst>
+      <p:ext uri="{BB962C8B-B14F-4D97-AF65-F5344CB8AC3E}">
+        <p14:creationId xmlns:p14="http://schemas.microsoft.com/office/powerpoint/2010/main" val="628377934"/>
+      </p:ext>
+    </p:extLst>
+  </p:cSld>
+  <p:clrMapOvr>
+    <a:masterClrMapping/>
+  </p:clrMapOvr>
+  <p:timing>
+    <p:tnLst>
+      <p:par>
+        <p:cTn id="1" dur="indefinite" restart="never" nodeType="tmRoot"/>
+      </p:par>
+    </p:tnLst>
+  </p:timing>
+</p:sld>
+</file>
+
+<file path=ppt/slides/slide15.xml><?xml version="1.0" encoding="utf-8"?>
+<p:sld xmlns:a="http://schemas.openxmlformats.org/drawingml/2006/main" xmlns:r="http://schemas.openxmlformats.org/officeDocument/2006/relationships" xmlns:p="http://schemas.openxmlformats.org/presentationml/2006/main">
+  <p:cSld>
+    <p:spTree>
+      <p:nvGrpSpPr>
+        <p:cNvPr id="1" name=""/>
+        <p:cNvGrpSpPr/>
+        <p:nvPr/>
+      </p:nvGrpSpPr>
+      <p:grpSpPr>
+        <a:xfrm>
+          <a:off x="0" y="0"/>
+          <a:ext cx="0" cy="0"/>
+          <a:chOff x="0" y="0"/>
+          <a:chExt cx="0" cy="0"/>
+        </a:xfrm>
+      </p:grpSpPr>
+      <p:sp>
+        <p:nvSpPr>
+          <p:cNvPr id="2" name="Title 1"/>
+          <p:cNvSpPr>
+            <a:spLocks noGrp="1"/>
+          </p:cNvSpPr>
+          <p:nvPr>
+            <p:ph type="title"/>
+          </p:nvPr>
+        </p:nvSpPr>
+        <p:spPr>
+          <a:xfrm>
+            <a:off x="251586" y="244158"/>
+            <a:ext cx="8637831" cy="1339850"/>
+          </a:xfrm>
+        </p:spPr>
+        <p:txBody>
+          <a:bodyPr anchor="t"/>
+          <a:lstStyle/>
+          <a:p>
+            <a:pPr algn="l"/>
+            <a:r>
+              <a:rPr lang="en-US" dirty="0" smtClean="0"/>
+              <a:t>Install a Distribution</a:t>
+            </a:r>
+            <a:endParaRPr lang="en-US" dirty="0"/>
+          </a:p>
+        </p:txBody>
+      </p:sp>
+      <p:sp>
+        <p:nvSpPr>
+          <p:cNvPr id="6" name="TextBox 4"/>
+          <p:cNvSpPr txBox="1">
+            <a:spLocks noChangeArrowheads="1"/>
+          </p:cNvSpPr>
+          <p:nvPr/>
+        </p:nvSpPr>
+        <p:spPr bwMode="auto">
+          <a:xfrm>
+            <a:off x="461051" y="2921457"/>
+            <a:ext cx="7353295" cy="923330"/>
+          </a:xfrm>
+          <a:prstGeom prst="rect">
+            <a:avLst/>
+          </a:prstGeom>
+          <a:solidFill>
+            <a:schemeClr val="tx2">
+              <a:lumMod val="20000"/>
+              <a:lumOff val="80000"/>
+            </a:schemeClr>
+          </a:solidFill>
+          <a:ln w="9525">
+            <a:solidFill>
+              <a:schemeClr val="tx1"/>
+            </a:solidFill>
+            <a:miter lim="800000"/>
+            <a:headEnd/>
+            <a:tailEnd/>
+          </a:ln>
+        </p:spPr>
+        <p:txBody>
+          <a:bodyPr wrap="none">
+            <a:spAutoFit/>
+          </a:bodyPr>
+          <a:lstStyle>
+            <a:lvl1pPr>
+              <a:defRPr sz="1000">
+                <a:solidFill>
+                  <a:schemeClr val="tx1"/>
+                </a:solidFill>
+                <a:latin typeface="Arial" charset="0"/>
+              </a:defRPr>
+            </a:lvl1pPr>
+            <a:lvl2pPr marL="742950" indent="-285750">
+              <a:defRPr sz="1000">
+                <a:solidFill>
+                  <a:schemeClr val="tx1"/>
+                </a:solidFill>
+                <a:latin typeface="Arial" charset="0"/>
+              </a:defRPr>
+            </a:lvl2pPr>
+            <a:lvl3pPr marL="1143000" indent="-228600">
+              <a:defRPr sz="1000">
+                <a:solidFill>
+                  <a:schemeClr val="tx1"/>
+                </a:solidFill>
+                <a:latin typeface="Arial" charset="0"/>
+              </a:defRPr>
+            </a:lvl3pPr>
+            <a:lvl4pPr marL="1600200" indent="-228600">
+              <a:defRPr sz="1000">
+                <a:solidFill>
+                  <a:schemeClr val="tx1"/>
+                </a:solidFill>
+                <a:latin typeface="Arial" charset="0"/>
+              </a:defRPr>
+            </a:lvl4pPr>
+            <a:lvl5pPr marL="2057400" indent="-228600">
+              <a:defRPr sz="1000">
+                <a:solidFill>
+                  <a:schemeClr val="tx1"/>
+                </a:solidFill>
+                <a:latin typeface="Arial" charset="0"/>
+              </a:defRPr>
+            </a:lvl5pPr>
+            <a:lvl6pPr marL="2514600" indent="-228600" eaLnBrk="0" fontAlgn="base" hangingPunct="0">
+              <a:spcBef>
+                <a:spcPct val="50000"/>
+              </a:spcBef>
+              <a:spcAft>
+                <a:spcPct val="0"/>
+              </a:spcAft>
+              <a:defRPr sz="1000">
+                <a:solidFill>
+                  <a:schemeClr val="tx1"/>
+                </a:solidFill>
+                <a:latin typeface="Arial" charset="0"/>
+              </a:defRPr>
+            </a:lvl6pPr>
+            <a:lvl7pPr marL="2971800" indent="-228600" eaLnBrk="0" fontAlgn="base" hangingPunct="0">
+              <a:spcBef>
+                <a:spcPct val="50000"/>
+              </a:spcBef>
+              <a:spcAft>
+                <a:spcPct val="0"/>
+              </a:spcAft>
+              <a:defRPr sz="1000">
+                <a:solidFill>
+                  <a:schemeClr val="tx1"/>
+                </a:solidFill>
+                <a:latin typeface="Arial" charset="0"/>
+              </a:defRPr>
+            </a:lvl7pPr>
+            <a:lvl8pPr marL="3429000" indent="-228600" eaLnBrk="0" fontAlgn="base" hangingPunct="0">
+              <a:spcBef>
+                <a:spcPct val="50000"/>
+              </a:spcBef>
+              <a:spcAft>
+                <a:spcPct val="0"/>
+              </a:spcAft>
+              <a:defRPr sz="1000">
+                <a:solidFill>
+                  <a:schemeClr val="tx1"/>
+                </a:solidFill>
+                <a:latin typeface="Arial" charset="0"/>
+              </a:defRPr>
+            </a:lvl8pPr>
+            <a:lvl9pPr marL="3886200" indent="-228600" eaLnBrk="0" fontAlgn="base" hangingPunct="0">
+              <a:spcBef>
+                <a:spcPct val="50000"/>
+              </a:spcBef>
+              <a:spcAft>
+                <a:spcPct val="0"/>
+              </a:spcAft>
+              <a:defRPr sz="1000">
+                <a:solidFill>
+                  <a:schemeClr val="tx1"/>
+                </a:solidFill>
+                <a:latin typeface="Arial" charset="0"/>
+              </a:defRPr>
+            </a:lvl9pPr>
+          </a:lstStyle>
+          <a:p>
+            <a:r>
+              <a:rPr lang="en-GB" sz="1800" dirty="0">
+                <a:latin typeface="Courier New" panose="02070309020205020404" pitchFamily="49" charset="0"/>
+              </a:rPr>
+              <a:t>C</a:t>
+            </a:r>
+            <a:r>
+              <a:rPr lang="en-GB" sz="1800" dirty="0">
+                <a:latin typeface="Courier New" panose="02070309020205020404" pitchFamily="49" charset="0"/>
+              </a:rPr>
+              <a:t>:\coffee_machine\dist</a:t>
+            </a:r>
+            <a:r>
+              <a:rPr lang="en-GB" sz="1800" dirty="0">
+                <a:latin typeface="Courier New" panose="02070309020205020404" pitchFamily="49" charset="0"/>
+              </a:rPr>
+              <a:t>&gt; unzip </a:t>
+            </a:r>
+            <a:r>
+              <a:rPr lang="en-GB" sz="1800" dirty="0" smtClean="0">
+                <a:latin typeface="Courier New" panose="02070309020205020404" pitchFamily="49" charset="0"/>
+              </a:rPr>
+              <a:t>coffee_machine-1.0.zip</a:t>
+            </a:r>
+            <a:endParaRPr lang="en-GB" sz="1800" dirty="0">
+              <a:latin typeface="Courier New" panose="02070309020205020404" pitchFamily="49" charset="0"/>
+            </a:endParaRPr>
+          </a:p>
+          <a:p>
+            <a:r>
+              <a:rPr lang="en-GB" sz="1800" dirty="0">
+                <a:latin typeface="Courier New" panose="02070309020205020404" pitchFamily="49" charset="0"/>
+              </a:rPr>
+              <a:t>C</a:t>
+            </a:r>
+            <a:r>
+              <a:rPr lang="en-GB" sz="1800" dirty="0">
+                <a:latin typeface="Courier New" panose="02070309020205020404" pitchFamily="49" charset="0"/>
+              </a:rPr>
+              <a:t>:\</a:t>
+            </a:r>
+            <a:r>
+              <a:rPr lang="en-GB" sz="1800" dirty="0" smtClean="0">
+                <a:latin typeface="Courier New" panose="02070309020205020404" pitchFamily="49" charset="0"/>
+              </a:rPr>
+              <a:t>coffee_machine\dist</a:t>
+            </a:r>
+            <a:r>
+              <a:rPr lang="en-GB" sz="1800" dirty="0">
+                <a:latin typeface="Courier New" panose="02070309020205020404" pitchFamily="49" charset="0"/>
+              </a:rPr>
+              <a:t>&gt; cd </a:t>
+            </a:r>
+            <a:r>
+              <a:rPr lang="en-GB" sz="1800" dirty="0">
+                <a:latin typeface="Courier New" panose="02070309020205020404" pitchFamily="49" charset="0"/>
+              </a:rPr>
+              <a:t>coffee_machine-1.0</a:t>
+            </a:r>
+            <a:endParaRPr lang="en-GB" sz="1800" dirty="0">
+              <a:latin typeface="Courier New" panose="02070309020205020404" pitchFamily="49" charset="0"/>
+            </a:endParaRPr>
+          </a:p>
+          <a:p>
+            <a:r>
+              <a:rPr lang="en-GB" sz="1800" dirty="0">
+                <a:latin typeface="Courier New" panose="02070309020205020404" pitchFamily="49" charset="0"/>
+              </a:rPr>
+              <a:t>C</a:t>
+            </a:r>
+            <a:r>
+              <a:rPr lang="en-GB" sz="1800" dirty="0">
+                <a:latin typeface="Courier New" panose="02070309020205020404" pitchFamily="49" charset="0"/>
+              </a:rPr>
+              <a:t>:\coffee_machine\dist</a:t>
+            </a:r>
+            <a:r>
+              <a:rPr lang="en-GB" sz="1800" dirty="0">
+                <a:latin typeface="Courier New" panose="02070309020205020404" pitchFamily="49" charset="0"/>
+              </a:rPr>
+              <a:t>&gt; python setup.py install</a:t>
+            </a:r>
+          </a:p>
+        </p:txBody>
+      </p:sp>
+    </p:spTree>
+    <p:extLst>
+      <p:ext uri="{BB962C8B-B14F-4D97-AF65-F5344CB8AC3E}">
+        <p14:creationId xmlns:p14="http://schemas.microsoft.com/office/powerpoint/2010/main" val="3754170982"/>
+      </p:ext>
+    </p:extLst>
+  </p:cSld>
+  <p:clrMapOvr>
+    <a:masterClrMapping/>
+  </p:clrMapOvr>
+  <p:timing>
+    <p:tnLst>
+      <p:par>
+        <p:cTn id="1" dur="indefinite" restart="never" nodeType="tmRoot"/>
+      </p:par>
+    </p:tnLst>
+  </p:timing>
+</p:sld>
+</file>
+
 <file path=ppt/slides/slide2.xml><?xml version="1.0" encoding="utf-8"?>
 <p:sld xmlns:a="http://schemas.openxmlformats.org/drawingml/2006/main" xmlns:r="http://schemas.openxmlformats.org/officeDocument/2006/relationships" xmlns:p="http://schemas.openxmlformats.org/presentationml/2006/main">
   <p:cSld>
@@ -16704,13 +18090,7 @@
               <a:rPr lang="en-US" sz="2400" smtClean="0">
                 <a:latin typeface="Lucida Sans" panose="020B0602030504020204" pitchFamily="34" charset="0"/>
               </a:rPr>
-              <a:t>If same name as a global, it hides the </a:t>
-            </a:r>
-            <a:r>
-              <a:rPr lang="en-US" sz="2400" smtClean="0">
-                <a:latin typeface="Lucida Sans" panose="020B0602030504020204" pitchFamily="34" charset="0"/>
-              </a:rPr>
-              <a:t>global</a:t>
+              <a:t>If same name as a global, it hides the global</a:t>
             </a:r>
           </a:p>
           <a:p>
@@ -17695,13 +19075,7 @@
               <a:rPr lang="en-US" sz="2800" smtClean="0">
                 <a:latin typeface="Lucida Sans" panose="020B0602030504020204" pitchFamily="34" charset="0"/>
               </a:rPr>
-              <a:t>is </a:t>
-            </a:r>
-            <a:r>
-              <a:rPr lang="en-US" sz="2800" smtClean="0">
-                <a:latin typeface="Lucida Sans" panose="020B0602030504020204" pitchFamily="34" charset="0"/>
-              </a:rPr>
-              <a:t>the "root", not a "Package"</a:t>
+              <a:t>is the "root", not a "Package"</a:t>
             </a:r>
           </a:p>
           <a:p>
@@ -17713,19 +19087,7 @@
               <a:rPr lang="en-US" sz="2800" smtClean="0">
                 <a:latin typeface="Lucida Sans" panose="020B0602030504020204" pitchFamily="34" charset="0"/>
               </a:rPr>
-              <a:t>All </a:t>
-            </a:r>
-            <a:r>
-              <a:rPr lang="en-US" sz="2800" smtClean="0">
-                <a:latin typeface="Lucida Sans" panose="020B0602030504020204" pitchFamily="34" charset="0"/>
-              </a:rPr>
-              <a:t>modules at root are </a:t>
-            </a:r>
-            <a:r>
-              <a:rPr lang="en-US" sz="2800" smtClean="0">
-                <a:latin typeface="Lucida Sans" panose="020B0602030504020204" pitchFamily="34" charset="0"/>
-              </a:rPr>
-              <a:t>in scope </a:t>
+              <a:t>All modules at root are in scope </a:t>
             </a:r>
           </a:p>
         </p:txBody>
@@ -17954,13 +19316,7 @@
               <a:rPr lang="en-US" sz="2800" smtClean="0">
                 <a:latin typeface="Lucida Sans" panose="020B0602030504020204" pitchFamily="34" charset="0"/>
               </a:rPr>
-              <a:t>from </a:t>
-            </a:r>
-            <a:r>
-              <a:rPr lang="en-US" sz="2800" smtClean="0">
-                <a:latin typeface="Lucida Sans" panose="020B0602030504020204" pitchFamily="34" charset="0"/>
-              </a:rPr>
-              <a:t>any_</a:t>
+              <a:t>from any_</a:t>
             </a:r>
             <a:r>
               <a:rPr lang="en-US" sz="2800" b="1" smtClean="0">
@@ -18221,16 +19577,7 @@
                 </a:solidFill>
                 <a:latin typeface="Lucida Sans" panose="020B0602030504020204" pitchFamily="34" charset="0"/>
               </a:rPr>
-              <a:t># Worse</a:t>
-            </a:r>
-            <a:r>
-              <a:rPr lang="en-US" sz="2800" b="1" smtClean="0">
-                <a:solidFill>
-                  <a:srgbClr val="FF0000"/>
-                </a:solidFill>
-                <a:latin typeface="Lucida Sans" panose="020B0602030504020204" pitchFamily="34" charset="0"/>
-              </a:rPr>
-              <a:t>!</a:t>
+              <a:t># Worse!</a:t>
             </a:r>
             <a:endParaRPr lang="en-US" sz="2800" smtClean="0">
               <a:latin typeface="Lucida Sans" panose="020B0602030504020204" pitchFamily="34" charset="0"/>
